--- a/Docs/DTC-Prezentation.pptx
+++ b/Docs/DTC-Prezentation.pptx
@@ -110,6 +110,11 @@
       </a:defRPr>
     </a:lvl9pPr>
   </p:defaultTextStyle>
+  <p:extLst>
+    <p:ext uri="{EFAFB233-063F-42B5-8137-9DF3F51BA10A}">
+      <p15:sldGuideLst xmlns:p15="http://schemas.microsoft.com/office/powerpoint/2012/main"/>
+    </p:ext>
+  </p:extLst>
 </p:presentation>
 </file>
 
@@ -622,7 +627,7 @@
             <a:fld id="{E9462EF3-3C4F-43EE-ACEE-D4B806740EA3}" type="datetimeFigureOut">
               <a:rPr lang="en-US" dirty="0"/>
               <a:pPr/>
-              <a:t>6/16/2024</a:t>
+              <a:t>6/17/2024</a:t>
             </a:fld>
             <a:endParaRPr lang="en-US" dirty="0"/>
           </a:p>
@@ -1600,7 +1605,7 @@
           <a:p>
             <a:fld id="{36343B39-165A-4B68-AA5C-581F5336313C}" type="datetimeFigureOut">
               <a:rPr lang="en-US" dirty="0"/>
-              <a:t>6/16/2024</a:t>
+              <a:t>6/17/2024</a:t>
             </a:fld>
             <a:endParaRPr lang="en-US" dirty="0"/>
           </a:p>
@@ -2466,7 +2471,7 @@
           <a:p>
             <a:fld id="{942C8C57-33F9-4259-AC4F-0E3F5BEC9B94}" type="datetimeFigureOut">
               <a:rPr lang="en-US" dirty="0"/>
-              <a:t>6/16/2024</a:t>
+              <a:t>6/17/2024</a:t>
             </a:fld>
             <a:endParaRPr lang="en-US" dirty="0"/>
           </a:p>
@@ -3483,7 +3488,7 @@
           <a:p>
             <a:fld id="{8748772B-8FA2-401F-A0A1-A59855EDBC3E}" type="datetimeFigureOut">
               <a:rPr lang="en-US" dirty="0"/>
-              <a:t>6/16/2024</a:t>
+              <a:t>6/17/2024</a:t>
             </a:fld>
             <a:endParaRPr lang="en-US" dirty="0"/>
           </a:p>
@@ -4399,7 +4404,7 @@
           <a:p>
             <a:fld id="{D3DD5BDE-5A90-4611-82E9-0FC5746D30C5}" type="datetimeFigureOut">
               <a:rPr lang="en-US" dirty="0"/>
-              <a:t>6/16/2024</a:t>
+              <a:t>6/17/2024</a:t>
             </a:fld>
             <a:endParaRPr lang="en-US" dirty="0"/>
           </a:p>
@@ -5051,7 +5056,7 @@
           <a:p>
             <a:fld id="{1ADDA17D-0BEA-4E76-A7FC-F7C188BC48D1}" type="datetimeFigureOut">
               <a:rPr lang="en-US" dirty="0"/>
-              <a:t>6/16/2024</a:t>
+              <a:t>6/17/2024</a:t>
             </a:fld>
             <a:endParaRPr lang="en-US" dirty="0"/>
           </a:p>
@@ -5904,7 +5909,7 @@
           <a:p>
             <a:fld id="{6909AC7D-18CA-4236-82B9-D75EB1D66EAE}" type="datetimeFigureOut">
               <a:rPr lang="en-US" dirty="0"/>
-              <a:t>6/16/2024</a:t>
+              <a:t>6/17/2024</a:t>
             </a:fld>
             <a:endParaRPr lang="en-US" dirty="0"/>
           </a:p>
@@ -6083,7 +6088,7 @@
           <a:p>
             <a:fld id="{5568300E-C023-45CD-A0BE-EDB7A8C6EA8B}" type="datetimeFigureOut">
               <a:rPr lang="en-US" dirty="0"/>
-              <a:t>6/16/2024</a:t>
+              <a:t>6/17/2024</a:t>
             </a:fld>
             <a:endParaRPr lang="en-US" dirty="0"/>
           </a:p>
@@ -6936,7 +6941,7 @@
           <a:p>
             <a:fld id="{3B620EAD-E369-4933-8469-ED7764B56A1B}" type="datetimeFigureOut">
               <a:rPr lang="en-US" dirty="0"/>
-              <a:t>6/16/2024</a:t>
+              <a:t>6/17/2024</a:t>
             </a:fld>
             <a:endParaRPr lang="en-US" dirty="0"/>
           </a:p>
@@ -7151,7 +7156,7 @@
           <a:p>
             <a:fld id="{076C0EF2-9919-473B-8215-8616BAF10692}" type="datetimeFigureOut">
               <a:rPr lang="en-US" dirty="0"/>
-              <a:t>6/16/2024</a:t>
+              <a:t>6/17/2024</a:t>
             </a:fld>
             <a:endParaRPr lang="en-US" dirty="0"/>
           </a:p>
@@ -8072,7 +8077,7 @@
           <a:p>
             <a:fld id="{A09472EB-AC54-4713-BFC2-BEB621108C63}" type="datetimeFigureOut">
               <a:rPr lang="en-US" dirty="0"/>
-              <a:t>6/16/2024</a:t>
+              <a:t>6/17/2024</a:t>
             </a:fld>
             <a:endParaRPr lang="en-US" dirty="0"/>
           </a:p>
@@ -8352,7 +8357,7 @@
           <a:p>
             <a:fld id="{99455A0C-791E-4545-B787-F98AD45CD761}" type="datetimeFigureOut">
               <a:rPr lang="en-US" dirty="0"/>
-              <a:t>6/16/2024</a:t>
+              <a:t>6/17/2024</a:t>
             </a:fld>
             <a:endParaRPr lang="en-US" dirty="0"/>
           </a:p>
@@ -8738,7 +8743,7 @@
           <a:p>
             <a:fld id="{42536B77-F4F4-4427-AC4F-9A623798AD82}" type="datetimeFigureOut">
               <a:rPr lang="en-US" dirty="0"/>
-              <a:t>6/16/2024</a:t>
+              <a:t>6/17/2024</a:t>
             </a:fld>
             <a:endParaRPr lang="en-US" dirty="0"/>
           </a:p>
@@ -8860,7 +8865,7 @@
           <a:p>
             <a:fld id="{D8BE790C-34EB-4565-8437-CACF4CDB7822}" type="datetimeFigureOut">
               <a:rPr lang="en-US" dirty="0"/>
-              <a:t>6/16/2024</a:t>
+              <a:t>6/17/2024</a:t>
             </a:fld>
             <a:endParaRPr lang="en-US" dirty="0"/>
           </a:p>
@@ -8951,7 +8956,7 @@
           <a:p>
             <a:fld id="{F84A4C11-22B8-4A4E-8126-B3AF6B948A8E}" type="datetimeFigureOut">
               <a:rPr lang="en-US" dirty="0"/>
-              <a:t>6/16/2024</a:t>
+              <a:t>6/17/2024</a:t>
             </a:fld>
             <a:endParaRPr lang="en-US" dirty="0"/>
           </a:p>
@@ -9918,7 +9923,7 @@
           <a:p>
             <a:fld id="{16ED06B6-C816-4861-964D-15A98395707D}" type="datetimeFigureOut">
               <a:rPr lang="en-US" dirty="0"/>
-              <a:t>6/16/2024</a:t>
+              <a:t>6/17/2024</a:t>
             </a:fld>
             <a:endParaRPr lang="en-US" dirty="0"/>
           </a:p>
@@ -10909,7 +10914,7 @@
           <a:p>
             <a:fld id="{00B1A8AB-EA7C-4B1B-9D73-E2551851FABE}" type="datetimeFigureOut">
               <a:rPr lang="en-US" dirty="0"/>
-              <a:t>6/16/2024</a:t>
+              <a:t>6/17/2024</a:t>
             </a:fld>
             <a:endParaRPr lang="en-US" dirty="0"/>
           </a:p>
@@ -11789,7 +11794,7 @@
           <a:p>
             <a:fld id="{90786BE5-D2A3-4BF0-8B30-D7403E61B3DC}" type="datetimeFigureOut">
               <a:rPr lang="en-US" dirty="0"/>
-              <a:t>6/16/2024</a:t>
+              <a:t>6/17/2024</a:t>
             </a:fld>
             <a:endParaRPr lang="en-US" dirty="0"/>
           </a:p>
@@ -12517,15 +12522,35 @@
             <p:ph type="body" idx="1"/>
           </p:nvPr>
         </p:nvSpPr>
-        <p:spPr/>
+        <p:spPr>
+          <a:xfrm>
+            <a:off x="6559016" y="2286000"/>
+            <a:ext cx="5202349" cy="2286000"/>
+          </a:xfrm>
+        </p:spPr>
         <p:txBody>
           <a:bodyPr>
-            <a:normAutofit lnSpcReduction="10000"/>
+            <a:normAutofit/>
           </a:bodyPr>
           <a:lstStyle/>
           <a:p>
             <a:r>
               <a:rPr lang="ru-RU" dirty="0"/>
+              <a:t>-</a:t>
+            </a:r>
+            <a:r>
+              <a:rPr lang="en-US" dirty="0"/>
+              <a:t>SCRUM TRAINER:</a:t>
+            </a:r>
+            <a:r>
+              <a:rPr lang="bg-BG" dirty="0"/>
+              <a:t> Валери Тенев</a:t>
+            </a:r>
+            <a:endParaRPr lang="ru-RU" dirty="0"/>
+          </a:p>
+          <a:p>
+            <a:r>
+              <a:rPr lang="ru-RU" dirty="0"/>
               <a:t>- </a:t>
             </a:r>
             <a:r>
@@ -12534,7 +12559,7 @@
             </a:r>
             <a:r>
               <a:rPr lang="ru-RU" dirty="0"/>
-              <a:t>Георги Василев Деспотов</a:t>
+              <a:t>Теодор Деспотов</a:t>
             </a:r>
           </a:p>
           <a:p>
@@ -12552,13 +12577,13 @@
             </a:r>
             <a:r>
               <a:rPr lang="ru-RU" dirty="0"/>
-              <a:t> Димитров Мешков</a:t>
-            </a:r>
-          </a:p>
-          <a:p>
-            <a:r>
-              <a:rPr lang="ru-RU" dirty="0"/>
-              <a:t>- </a:t>
+              <a:t> Мешков</a:t>
+            </a:r>
+          </a:p>
+          <a:p>
+            <a:r>
+              <a:rPr lang="bg-BG" dirty="0"/>
+              <a:t>-</a:t>
             </a:r>
             <a:r>
               <a:rPr lang="en-US" dirty="0"/>
@@ -12566,8 +12591,13 @@
             </a:r>
             <a:r>
               <a:rPr lang="ru-RU" dirty="0"/>
-              <a:t>Александр Сергеевич Тодер</a:t>
-            </a:r>
+              <a:t>Александр </a:t>
+            </a:r>
+            <a:r>
+              <a:rPr lang="ru-RU" dirty="0" err="1"/>
+              <a:t>Тодер</a:t>
+            </a:r>
+            <a:endParaRPr lang="ru-RU" dirty="0"/>
           </a:p>
         </p:txBody>
       </p:sp>
@@ -13138,7 +13168,7 @@
         </p:spPr>
         <p:txBody>
           <a:bodyPr>
-            <a:normAutofit fontScale="92500" lnSpcReduction="10000"/>
+            <a:normAutofit/>
           </a:bodyPr>
           <a:lstStyle/>
           <a:p>
@@ -13294,30 +13324,6 @@
             </a:r>
           </a:p>
           <a:p>
-            <a:pPr marL="342900" indent="-342900">
-              <a:buFontTx/>
-              <a:buChar char="-"/>
-            </a:pPr>
-            <a:r>
-              <a:rPr lang="ru-RU" dirty="0" err="1"/>
-              <a:t>Лицензирани</a:t>
-            </a:r>
-            <a:r>
-              <a:rPr lang="ru-RU" dirty="0"/>
-              <a:t> </a:t>
-            </a:r>
-            <a:r>
-              <a:rPr lang="ru-RU" dirty="0" err="1"/>
-              <a:t>графични</a:t>
-            </a:r>
-            <a:r>
-              <a:rPr lang="ru-RU" dirty="0"/>
-              <a:t> </a:t>
-            </a:r>
-            <a:r>
-              <a:rPr lang="ru-RU" dirty="0" err="1"/>
-              <a:t>обекти</a:t>
-            </a:r>
             <a:endParaRPr lang="ru-RU" dirty="0"/>
           </a:p>
           <a:p>
@@ -13420,13 +13426,13 @@
         </p:nvSpPr>
         <p:spPr>
           <a:xfrm>
-            <a:off x="954157" y="2279373"/>
-            <a:ext cx="9766851" cy="4081669"/>
+            <a:off x="853490" y="2224845"/>
+            <a:ext cx="3517175" cy="4490543"/>
           </a:xfrm>
         </p:spPr>
         <p:txBody>
           <a:bodyPr>
-            <a:normAutofit fontScale="92500" lnSpcReduction="20000"/>
+            <a:normAutofit fontScale="70000" lnSpcReduction="20000"/>
           </a:bodyPr>
           <a:lstStyle/>
           <a:p>
@@ -13437,162 +13443,281 @@
           </a:p>
           <a:p>
             <a:r>
-              <a:rPr lang="ru-RU" dirty="0"/>
-              <a:t>CSS </a:t>
-            </a:r>
-            <a:r>
-              <a:rPr lang="ru-RU" dirty="0" err="1"/>
-              <a:t>Developer</a:t>
-            </a:r>
-            <a:r>
-              <a:rPr lang="ru-RU" dirty="0"/>
-              <a:t>: Георги Василев Деспотов</a:t>
-            </a:r>
-          </a:p>
-          <a:p>
-            <a:r>
-              <a:rPr lang="ru-RU" dirty="0"/>
+              <a:rPr lang="en-US" sz="2300" dirty="0"/>
+              <a:t>Scrum Trainer:</a:t>
+            </a:r>
+            <a:r>
+              <a:rPr lang="bg-BG" sz="2300" dirty="0"/>
+              <a:t> Валери Тенев</a:t>
+            </a:r>
+          </a:p>
+          <a:p>
+            <a:pPr marL="0" indent="0">
+              <a:buNone/>
+            </a:pPr>
+            <a:r>
+              <a:rPr lang="ru-RU" sz="2300" dirty="0"/>
+              <a:t>-</a:t>
+            </a:r>
+            <a:r>
+              <a:rPr lang="ru-RU" sz="2300" dirty="0" err="1"/>
+              <a:t>Задаване</a:t>
+            </a:r>
+            <a:r>
+              <a:rPr lang="ru-RU" sz="2300" dirty="0"/>
+              <a:t> на задачи на </a:t>
+            </a:r>
+            <a:r>
+              <a:rPr lang="ru-RU" sz="2300" dirty="0" err="1"/>
+              <a:t>съотборниците</a:t>
+            </a:r>
+            <a:endParaRPr lang="ru-RU" sz="2300" dirty="0"/>
+          </a:p>
+          <a:p>
+            <a:pPr marL="0" indent="0">
+              <a:buNone/>
+            </a:pPr>
+            <a:r>
+              <a:rPr lang="ru-RU" sz="2300" dirty="0"/>
+              <a:t>-</a:t>
+            </a:r>
+            <a:r>
+              <a:rPr lang="ru-RU" sz="2300" dirty="0" err="1"/>
+              <a:t>Помага</a:t>
+            </a:r>
+            <a:r>
+              <a:rPr lang="ru-RU" sz="2300" dirty="0"/>
+              <a:t> при нужда</a:t>
+            </a:r>
+          </a:p>
+          <a:p>
+            <a:pPr marL="0" indent="0">
+              <a:buNone/>
+            </a:pPr>
+            <a:r>
+              <a:rPr lang="ru-RU" sz="2300" dirty="0"/>
+              <a:t>-</a:t>
+            </a:r>
+            <a:r>
+              <a:rPr lang="ru-RU" sz="2300" dirty="0" err="1"/>
+              <a:t>Преглеждане</a:t>
+            </a:r>
+            <a:r>
+              <a:rPr lang="ru-RU" sz="2300" dirty="0"/>
+              <a:t> на всяка </a:t>
+            </a:r>
+            <a:r>
+              <a:rPr lang="ru-RU" sz="2300" dirty="0" err="1"/>
+              <a:t>една</a:t>
+            </a:r>
+            <a:r>
+              <a:rPr lang="ru-RU" sz="2300" dirty="0"/>
+              <a:t> страница</a:t>
+            </a:r>
+          </a:p>
+          <a:p>
+            <a:pPr marL="0" indent="0">
+              <a:buNone/>
+            </a:pPr>
+            <a:endParaRPr lang="ru-RU" sz="2300" dirty="0"/>
+          </a:p>
+          <a:p>
+            <a:r>
+              <a:rPr lang="ru-RU" sz="2300" dirty="0"/>
+              <a:t>CSS Developer: Теодор Деспотов</a:t>
+            </a:r>
+          </a:p>
+          <a:p>
+            <a:pPr marL="0" indent="0">
+              <a:buNone/>
+            </a:pPr>
+            <a:r>
+              <a:rPr lang="ru-RU" sz="2300" dirty="0"/>
               <a:t>- Навигация на сайта</a:t>
             </a:r>
           </a:p>
           <a:p>
-            <a:r>
-              <a:rPr lang="ru-RU" dirty="0"/>
+            <a:pPr marL="0" indent="0">
+              <a:buNone/>
+            </a:pPr>
+            <a:r>
+              <a:rPr lang="ru-RU" sz="2300" dirty="0"/>
               <a:t>- Структура на CSS </a:t>
             </a:r>
             <a:r>
-              <a:rPr lang="ru-RU" dirty="0" err="1"/>
+              <a:rPr lang="ru-RU" sz="2300" dirty="0" err="1"/>
               <a:t>форматите</a:t>
             </a:r>
+            <a:endParaRPr lang="ru-RU" sz="2300" dirty="0"/>
+          </a:p>
+          <a:p>
+            <a:pPr marL="0" indent="0">
+              <a:buNone/>
+            </a:pPr>
+            <a:r>
+              <a:rPr lang="ru-RU" sz="2300" dirty="0"/>
+              <a:t>- </a:t>
+            </a:r>
+            <a:r>
+              <a:rPr lang="ru-RU" sz="2300" dirty="0" err="1"/>
+              <a:t>Изпълнени</a:t>
+            </a:r>
+            <a:r>
+              <a:rPr lang="ru-RU" sz="2300" dirty="0"/>
+              <a:t> проверки за </a:t>
+            </a:r>
+            <a:r>
+              <a:rPr lang="ru-RU" sz="2300" dirty="0" err="1"/>
+              <a:t>валидност</a:t>
+            </a:r>
+            <a:r>
+              <a:rPr lang="ru-RU" sz="2300" dirty="0"/>
+              <a:t> на кода</a:t>
+            </a:r>
+          </a:p>
+          <a:p>
             <a:endParaRPr lang="ru-RU" dirty="0"/>
           </a:p>
-          <a:p>
-            <a:r>
-              <a:rPr lang="ru-RU" dirty="0"/>
+        </p:txBody>
+      </p:sp>
+      <p:sp>
+        <p:nvSpPr>
+          <p:cNvPr id="4" name="TextBox 3">
+            <a:extLst>
+              <a:ext uri="{FF2B5EF4-FFF2-40B4-BE49-F238E27FC236}">
+                <a16:creationId xmlns:a16="http://schemas.microsoft.com/office/drawing/2014/main" id="{B19949B4-5587-44EF-4BB5-F0B281E1DB80}"/>
+              </a:ext>
+            </a:extLst>
+          </p:cNvPr>
+          <p:cNvSpPr txBox="1"/>
+          <p:nvPr/>
+        </p:nvSpPr>
+        <p:spPr>
+          <a:xfrm>
+            <a:off x="5852110" y="2902591"/>
+            <a:ext cx="5234730" cy="2123658"/>
+          </a:xfrm>
+          <a:prstGeom prst="rect">
+            <a:avLst/>
+          </a:prstGeom>
+          <a:noFill/>
+        </p:spPr>
+        <p:txBody>
+          <a:bodyPr wrap="square" rtlCol="0">
+            <a:spAutoFit/>
+          </a:bodyPr>
+          <a:lstStyle/>
+          <a:p>
+            <a:pPr marL="0" indent="0">
+              <a:buNone/>
+            </a:pPr>
+            <a:endParaRPr lang="ru-RU" sz="1600" dirty="0"/>
+          </a:p>
+          <a:p>
+            <a:pPr marL="285750" indent="-285750">
+              <a:buClr>
+                <a:schemeClr val="accent1"/>
+              </a:buClr>
+              <a:buFont typeface="Wingdings" panose="05000000000000000000" pitchFamily="2" charset="2"/>
+              <a:buChar char="Ø"/>
+            </a:pPr>
+            <a:r>
+              <a:rPr lang="ru-RU" sz="1600" dirty="0"/>
+              <a:t>HTML Developer: </a:t>
+            </a:r>
+            <a:r>
+              <a:rPr lang="ru-RU" sz="1600" dirty="0" err="1"/>
+              <a:t>Димитър</a:t>
+            </a:r>
+            <a:r>
+              <a:rPr lang="ru-RU" sz="1600" dirty="0"/>
+              <a:t> Мешков</a:t>
+            </a:r>
+          </a:p>
+          <a:p>
+            <a:r>
+              <a:rPr lang="ru-RU" sz="1600" dirty="0"/>
+              <a:t>- Структура и </a:t>
+            </a:r>
+            <a:r>
+              <a:rPr lang="ru-RU" sz="1600" dirty="0" err="1"/>
+              <a:t>подредба</a:t>
+            </a:r>
+            <a:r>
+              <a:rPr lang="ru-RU" sz="1600" dirty="0"/>
+              <a:t> на </a:t>
+            </a:r>
+            <a:r>
+              <a:rPr lang="ru-RU" sz="1600" dirty="0" err="1"/>
+              <a:t>файловете</a:t>
+            </a:r>
+            <a:endParaRPr lang="ru-RU" sz="1600" dirty="0"/>
+          </a:p>
+          <a:p>
+            <a:endParaRPr lang="ru-RU" sz="1600" dirty="0"/>
+          </a:p>
+          <a:p>
+            <a:pPr marL="285750" indent="-285750">
+              <a:buClr>
+                <a:schemeClr val="accent1"/>
+              </a:buClr>
+              <a:buFont typeface="Wingdings" panose="05000000000000000000" pitchFamily="2" charset="2"/>
+              <a:buChar char="Ø"/>
+            </a:pPr>
+            <a:r>
+              <a:rPr lang="ru-RU" sz="1600" dirty="0" err="1"/>
+              <a:t>Designer</a:t>
+            </a:r>
+            <a:r>
+              <a:rPr lang="ru-RU" sz="1600" dirty="0"/>
+              <a:t>: Александр </a:t>
+            </a:r>
+            <a:r>
+              <a:rPr lang="ru-RU" sz="1600" dirty="0" err="1"/>
+              <a:t>Тодер</a:t>
+            </a:r>
+            <a:endParaRPr lang="ru-RU" sz="1600" dirty="0"/>
+          </a:p>
+          <a:p>
+            <a:r>
+              <a:rPr lang="ru-RU" sz="1600" dirty="0"/>
+              <a:t>- Цветова схема и </a:t>
+            </a:r>
+            <a:r>
+              <a:rPr lang="ru-RU" sz="1600" dirty="0" err="1"/>
+              <a:t>шрифтове</a:t>
+            </a:r>
+            <a:endParaRPr lang="ru-RU" sz="1600" dirty="0"/>
+          </a:p>
+          <a:p>
+            <a:r>
+              <a:rPr lang="ru-RU" sz="1600" dirty="0"/>
               <a:t>- </a:t>
             </a:r>
             <a:r>
-              <a:rPr lang="ru-RU" dirty="0" err="1"/>
-              <a:t>Изпълнени</a:t>
-            </a:r>
-            <a:r>
-              <a:rPr lang="ru-RU" dirty="0"/>
-              <a:t> проверки за </a:t>
-            </a:r>
-            <a:r>
-              <a:rPr lang="ru-RU" dirty="0" err="1"/>
-              <a:t>валидност</a:t>
-            </a:r>
-            <a:r>
-              <a:rPr lang="ru-RU" dirty="0"/>
-              <a:t> на кода</a:t>
-            </a:r>
-          </a:p>
-          <a:p>
-            <a:endParaRPr lang="ru-RU" dirty="0"/>
-          </a:p>
-          <a:p>
-            <a:r>
-              <a:rPr lang="ru-RU" dirty="0"/>
-              <a:t>HTML </a:t>
-            </a:r>
-            <a:r>
-              <a:rPr lang="ru-RU" dirty="0" err="1"/>
-              <a:t>Developer</a:t>
-            </a:r>
-            <a:r>
-              <a:rPr lang="ru-RU" dirty="0"/>
-              <a:t>: </a:t>
-            </a:r>
-            <a:r>
-              <a:rPr lang="ru-RU" dirty="0" err="1"/>
-              <a:t>Димитър</a:t>
-            </a:r>
-            <a:r>
-              <a:rPr lang="ru-RU" dirty="0"/>
-              <a:t> Димитров Мешков</a:t>
-            </a:r>
-          </a:p>
-          <a:p>
-            <a:r>
-              <a:rPr lang="ru-RU" dirty="0"/>
-              <a:t>- Структура и </a:t>
-            </a:r>
-            <a:r>
-              <a:rPr lang="ru-RU" dirty="0" err="1"/>
-              <a:t>подредба</a:t>
-            </a:r>
-            <a:r>
-              <a:rPr lang="ru-RU" dirty="0"/>
-              <a:t> на </a:t>
-            </a:r>
-            <a:r>
-              <a:rPr lang="ru-RU" dirty="0" err="1"/>
-              <a:t>файловете</a:t>
-            </a:r>
-            <a:endParaRPr lang="ru-RU" dirty="0"/>
-          </a:p>
-          <a:p>
-            <a:endParaRPr lang="ru-RU" dirty="0"/>
-          </a:p>
-          <a:p>
-            <a:r>
-              <a:rPr lang="ru-RU" dirty="0" err="1"/>
-              <a:t>Designer</a:t>
-            </a:r>
-            <a:r>
-              <a:rPr lang="ru-RU" dirty="0"/>
-              <a:t>: Александр Сергеевич Тодер</a:t>
-            </a:r>
-          </a:p>
-          <a:p>
-            <a:r>
-              <a:rPr lang="ru-RU" dirty="0"/>
-              <a:t>- </a:t>
-            </a:r>
-            <a:r>
-              <a:rPr lang="ru-RU" dirty="0" err="1"/>
-              <a:t>Цветова</a:t>
-            </a:r>
-            <a:r>
-              <a:rPr lang="ru-RU" dirty="0"/>
-              <a:t> схема и </a:t>
-            </a:r>
-            <a:r>
-              <a:rPr lang="ru-RU" dirty="0" err="1"/>
-              <a:t>шрифтове</a:t>
-            </a:r>
-            <a:endParaRPr lang="ru-RU" dirty="0"/>
-          </a:p>
-          <a:p>
-            <a:r>
-              <a:rPr lang="ru-RU" dirty="0"/>
-              <a:t>- </a:t>
-            </a:r>
-            <a:r>
-              <a:rPr lang="ru-RU" dirty="0" err="1"/>
+              <a:rPr lang="ru-RU" sz="1600" dirty="0" err="1"/>
               <a:t>Лицензни</a:t>
             </a:r>
             <a:r>
-              <a:rPr lang="ru-RU" dirty="0"/>
+              <a:rPr lang="ru-RU" sz="1600" dirty="0"/>
               <a:t> права за </a:t>
             </a:r>
             <a:r>
-              <a:rPr lang="ru-RU" dirty="0" err="1"/>
+              <a:rPr lang="ru-RU" sz="1600" dirty="0" err="1"/>
               <a:t>графични</a:t>
             </a:r>
             <a:r>
-              <a:rPr lang="ru-RU" dirty="0"/>
+              <a:rPr lang="ru-RU" sz="1600" dirty="0"/>
               <a:t> </a:t>
             </a:r>
             <a:r>
-              <a:rPr lang="ru-RU" dirty="0" err="1"/>
+              <a:rPr lang="ru-RU" sz="1600" dirty="0" err="1"/>
               <a:t>обекти</a:t>
             </a:r>
-            <a:endParaRPr lang="ru-RU" dirty="0"/>
-          </a:p>
-          <a:p>
-            <a:endParaRPr lang="ru-RU" dirty="0"/>
+            <a:endParaRPr lang="ru-RU" sz="1600" dirty="0"/>
+          </a:p>
+          <a:p>
+            <a:endParaRPr lang="bg-BG" dirty="0"/>
           </a:p>
         </p:txBody>
       </p:sp>
